--- a/Second_Capstone_Project/COVID-19 Predictions using deep learning techniques.pptx
+++ b/Second_Capstone_Project/COVID-19 Predictions using deep learning techniques.pptx
@@ -13,6 +13,9 @@
     <p:sldId id="261" r:id="rId7"/>
     <p:sldId id="262" r:id="rId8"/>
     <p:sldId id="263" r:id="rId9"/>
+    <p:sldId id="264" r:id="rId10"/>
+    <p:sldId id="266" r:id="rId11"/>
+    <p:sldId id="267" r:id="rId12"/>
   </p:sldIdLst>
   <p:sldSz cx="12192000" cy="6858000"/>
   <p:notesSz cx="6858000" cy="9144000"/>
@@ -111,6 +114,11 @@
       </a:defRPr>
     </a:lvl9pPr>
   </p:defaultTextStyle>
+  <p:extLst>
+    <p:ext uri="{EFAFB233-063F-42B5-8137-9DF3F51BA10A}">
+      <p15:sldGuideLst xmlns:p15="http://schemas.microsoft.com/office/powerpoint/2012/main"/>
+    </p:ext>
+  </p:extLst>
 </p:presentation>
 </file>
 
@@ -261,7 +269,7 @@
           <a:p>
             <a:fld id="{9073C5B1-D768-40A9-B385-E627A9DA83E4}" type="datetimeFigureOut">
               <a:rPr lang="en-US" smtClean="0"/>
-              <a:t>7/13/2020</a:t>
+              <a:t>7/14/2020</a:t>
             </a:fld>
             <a:endParaRPr lang="en-US"/>
           </a:p>
@@ -459,7 +467,7 @@
           <a:p>
             <a:fld id="{9073C5B1-D768-40A9-B385-E627A9DA83E4}" type="datetimeFigureOut">
               <a:rPr lang="en-US" smtClean="0"/>
-              <a:t>7/13/2020</a:t>
+              <a:t>7/14/2020</a:t>
             </a:fld>
             <a:endParaRPr lang="en-US"/>
           </a:p>
@@ -667,7 +675,7 @@
           <a:p>
             <a:fld id="{9073C5B1-D768-40A9-B385-E627A9DA83E4}" type="datetimeFigureOut">
               <a:rPr lang="en-US" smtClean="0"/>
-              <a:t>7/13/2020</a:t>
+              <a:t>7/14/2020</a:t>
             </a:fld>
             <a:endParaRPr lang="en-US"/>
           </a:p>
@@ -865,7 +873,7 @@
           <a:p>
             <a:fld id="{9073C5B1-D768-40A9-B385-E627A9DA83E4}" type="datetimeFigureOut">
               <a:rPr lang="en-US" smtClean="0"/>
-              <a:t>7/13/2020</a:t>
+              <a:t>7/14/2020</a:t>
             </a:fld>
             <a:endParaRPr lang="en-US"/>
           </a:p>
@@ -1140,7 +1148,7 @@
           <a:p>
             <a:fld id="{9073C5B1-D768-40A9-B385-E627A9DA83E4}" type="datetimeFigureOut">
               <a:rPr lang="en-US" smtClean="0"/>
-              <a:t>7/13/2020</a:t>
+              <a:t>7/14/2020</a:t>
             </a:fld>
             <a:endParaRPr lang="en-US"/>
           </a:p>
@@ -1405,7 +1413,7 @@
           <a:p>
             <a:fld id="{9073C5B1-D768-40A9-B385-E627A9DA83E4}" type="datetimeFigureOut">
               <a:rPr lang="en-US" smtClean="0"/>
-              <a:t>7/13/2020</a:t>
+              <a:t>7/14/2020</a:t>
             </a:fld>
             <a:endParaRPr lang="en-US"/>
           </a:p>
@@ -1817,7 +1825,7 @@
           <a:p>
             <a:fld id="{9073C5B1-D768-40A9-B385-E627A9DA83E4}" type="datetimeFigureOut">
               <a:rPr lang="en-US" smtClean="0"/>
-              <a:t>7/13/2020</a:t>
+              <a:t>7/14/2020</a:t>
             </a:fld>
             <a:endParaRPr lang="en-US"/>
           </a:p>
@@ -1958,7 +1966,7 @@
           <a:p>
             <a:fld id="{9073C5B1-D768-40A9-B385-E627A9DA83E4}" type="datetimeFigureOut">
               <a:rPr lang="en-US" smtClean="0"/>
-              <a:t>7/13/2020</a:t>
+              <a:t>7/14/2020</a:t>
             </a:fld>
             <a:endParaRPr lang="en-US"/>
           </a:p>
@@ -2071,7 +2079,7 @@
           <a:p>
             <a:fld id="{9073C5B1-D768-40A9-B385-E627A9DA83E4}" type="datetimeFigureOut">
               <a:rPr lang="en-US" smtClean="0"/>
-              <a:t>7/13/2020</a:t>
+              <a:t>7/14/2020</a:t>
             </a:fld>
             <a:endParaRPr lang="en-US"/>
           </a:p>
@@ -2382,7 +2390,7 @@
           <a:p>
             <a:fld id="{9073C5B1-D768-40A9-B385-E627A9DA83E4}" type="datetimeFigureOut">
               <a:rPr lang="en-US" smtClean="0"/>
-              <a:t>7/13/2020</a:t>
+              <a:t>7/14/2020</a:t>
             </a:fld>
             <a:endParaRPr lang="en-US"/>
           </a:p>
@@ -2670,7 +2678,7 @@
           <a:p>
             <a:fld id="{9073C5B1-D768-40A9-B385-E627A9DA83E4}" type="datetimeFigureOut">
               <a:rPr lang="en-US" smtClean="0"/>
-              <a:t>7/13/2020</a:t>
+              <a:t>7/14/2020</a:t>
             </a:fld>
             <a:endParaRPr lang="en-US"/>
           </a:p>
@@ -2911,7 +2919,7 @@
           <a:p>
             <a:fld id="{9073C5B1-D768-40A9-B385-E627A9DA83E4}" type="datetimeFigureOut">
               <a:rPr lang="en-US" smtClean="0"/>
-              <a:t>7/13/2020</a:t>
+              <a:t>7/14/2020</a:t>
             </a:fld>
             <a:endParaRPr lang="en-US"/>
           </a:p>
@@ -3431,6 +3439,312 @@
 </p:sld>
 </file>
 
+<file path=ppt/slides/slide10.xml><?xml version="1.0" encoding="utf-8"?>
+<p:sld xmlns:a="http://schemas.openxmlformats.org/drawingml/2006/main" xmlns:r="http://schemas.openxmlformats.org/officeDocument/2006/relationships" xmlns:p="http://schemas.openxmlformats.org/presentationml/2006/main">
+  <p:cSld>
+    <p:spTree>
+      <p:nvGrpSpPr>
+        <p:cNvPr id="1" name=""/>
+        <p:cNvGrpSpPr/>
+        <p:nvPr/>
+      </p:nvGrpSpPr>
+      <p:grpSpPr>
+        <a:xfrm>
+          <a:off x="0" y="0"/>
+          <a:ext cx="0" cy="0"/>
+          <a:chOff x="0" y="0"/>
+          <a:chExt cx="0" cy="0"/>
+        </a:xfrm>
+      </p:grpSpPr>
+      <p:sp>
+        <p:nvSpPr>
+          <p:cNvPr id="2" name="Title 1">
+            <a:extLst>
+              <a:ext uri="{FF2B5EF4-FFF2-40B4-BE49-F238E27FC236}">
+                <a16:creationId xmlns:a16="http://schemas.microsoft.com/office/drawing/2014/main" id="{A187B7A7-C31B-47F0-983A-265F9C7711F4}"/>
+              </a:ext>
+            </a:extLst>
+          </p:cNvPr>
+          <p:cNvSpPr>
+            <a:spLocks noGrp="1"/>
+          </p:cNvSpPr>
+          <p:nvPr>
+            <p:ph type="title"/>
+          </p:nvPr>
+        </p:nvSpPr>
+        <p:spPr/>
+        <p:txBody>
+          <a:bodyPr/>
+          <a:lstStyle/>
+          <a:p>
+            <a:r>
+              <a:rPr lang="en-US" dirty="0"/>
+              <a:t>Model Results</a:t>
+            </a:r>
+          </a:p>
+        </p:txBody>
+      </p:sp>
+      <p:pic>
+        <p:nvPicPr>
+          <p:cNvPr id="1026" name="Picture 2">
+            <a:extLst>
+              <a:ext uri="{FF2B5EF4-FFF2-40B4-BE49-F238E27FC236}">
+                <a16:creationId xmlns:a16="http://schemas.microsoft.com/office/drawing/2014/main" id="{746941C8-DB21-4AA1-9790-04F9196BF84C}"/>
+              </a:ext>
+            </a:extLst>
+          </p:cNvPr>
+          <p:cNvPicPr>
+            <a:picLocks noGrp="1" noChangeAspect="1" noChangeArrowheads="1"/>
+          </p:cNvPicPr>
+          <p:nvPr>
+            <p:ph sz="half" idx="1"/>
+          </p:nvPr>
+        </p:nvPicPr>
+        <p:blipFill>
+          <a:blip r:embed="rId2">
+            <a:extLst>
+              <a:ext uri="{28A0092B-C50C-407E-A947-70E740481C1C}">
+                <a14:useLocalDpi xmlns:a14="http://schemas.microsoft.com/office/drawing/2010/main" val="0"/>
+              </a:ext>
+            </a:extLst>
+          </a:blip>
+          <a:srcRect/>
+          <a:stretch>
+            <a:fillRect/>
+          </a:stretch>
+        </p:blipFill>
+        <p:spPr bwMode="auto">
+          <a:xfrm>
+            <a:off x="1028153" y="2426135"/>
+            <a:ext cx="4801694" cy="3150318"/>
+          </a:xfrm>
+          <a:prstGeom prst="rect">
+            <a:avLst/>
+          </a:prstGeom>
+          <a:noFill/>
+          <a:extLst>
+            <a:ext uri="{909E8E84-426E-40DD-AFC4-6F175D3DCCD1}">
+              <a14:hiddenFill xmlns:a14="http://schemas.microsoft.com/office/drawing/2010/main">
+                <a:solidFill>
+                  <a:srgbClr val="FFFFFF"/>
+                </a:solidFill>
+              </a14:hiddenFill>
+            </a:ext>
+          </a:extLst>
+        </p:spPr>
+      </p:pic>
+      <p:pic>
+        <p:nvPicPr>
+          <p:cNvPr id="1028" name="Picture 4">
+            <a:extLst>
+              <a:ext uri="{FF2B5EF4-FFF2-40B4-BE49-F238E27FC236}">
+                <a16:creationId xmlns:a16="http://schemas.microsoft.com/office/drawing/2014/main" id="{BFE8A718-28C6-4F86-8258-3AA05A48678E}"/>
+              </a:ext>
+            </a:extLst>
+          </p:cNvPr>
+          <p:cNvPicPr>
+            <a:picLocks noGrp="1" noChangeAspect="1" noChangeArrowheads="1"/>
+          </p:cNvPicPr>
+          <p:nvPr>
+            <p:ph sz="half" idx="2"/>
+          </p:nvPr>
+        </p:nvPicPr>
+        <p:blipFill>
+          <a:blip r:embed="rId3">
+            <a:extLst>
+              <a:ext uri="{28A0092B-C50C-407E-A947-70E740481C1C}">
+                <a14:useLocalDpi xmlns:a14="http://schemas.microsoft.com/office/drawing/2010/main" val="0"/>
+              </a:ext>
+            </a:extLst>
+          </a:blip>
+          <a:srcRect/>
+          <a:stretch>
+            <a:fillRect/>
+          </a:stretch>
+        </p:blipFill>
+        <p:spPr bwMode="auto">
+          <a:xfrm>
+            <a:off x="6400261" y="2356269"/>
+            <a:ext cx="4725477" cy="3290050"/>
+          </a:xfrm>
+          <a:prstGeom prst="rect">
+            <a:avLst/>
+          </a:prstGeom>
+          <a:noFill/>
+          <a:extLst>
+            <a:ext uri="{909E8E84-426E-40DD-AFC4-6F175D3DCCD1}">
+              <a14:hiddenFill xmlns:a14="http://schemas.microsoft.com/office/drawing/2010/main">
+                <a:solidFill>
+                  <a:srgbClr val="FFFFFF"/>
+                </a:solidFill>
+              </a14:hiddenFill>
+            </a:ext>
+          </a:extLst>
+        </p:spPr>
+      </p:pic>
+    </p:spTree>
+    <p:extLst>
+      <p:ext uri="{BB962C8B-B14F-4D97-AF65-F5344CB8AC3E}">
+        <p14:creationId xmlns:p14="http://schemas.microsoft.com/office/powerpoint/2010/main" val="3920096390"/>
+      </p:ext>
+    </p:extLst>
+  </p:cSld>
+  <p:clrMapOvr>
+    <a:masterClrMapping/>
+  </p:clrMapOvr>
+</p:sld>
+</file>
+
+<file path=ppt/slides/slide11.xml><?xml version="1.0" encoding="utf-8"?>
+<p:sld xmlns:a="http://schemas.openxmlformats.org/drawingml/2006/main" xmlns:r="http://schemas.openxmlformats.org/officeDocument/2006/relationships" xmlns:p="http://schemas.openxmlformats.org/presentationml/2006/main">
+  <p:cSld>
+    <p:spTree>
+      <p:nvGrpSpPr>
+        <p:cNvPr id="1" name=""/>
+        <p:cNvGrpSpPr/>
+        <p:nvPr/>
+      </p:nvGrpSpPr>
+      <p:grpSpPr>
+        <a:xfrm>
+          <a:off x="0" y="0"/>
+          <a:ext cx="0" cy="0"/>
+          <a:chOff x="0" y="0"/>
+          <a:chExt cx="0" cy="0"/>
+        </a:xfrm>
+      </p:grpSpPr>
+      <p:sp>
+        <p:nvSpPr>
+          <p:cNvPr id="2" name="Title 1">
+            <a:extLst>
+              <a:ext uri="{FF2B5EF4-FFF2-40B4-BE49-F238E27FC236}">
+                <a16:creationId xmlns:a16="http://schemas.microsoft.com/office/drawing/2014/main" id="{0026D1EC-5E3B-438D-9D70-EC196694BAC3}"/>
+              </a:ext>
+            </a:extLst>
+          </p:cNvPr>
+          <p:cNvSpPr>
+            <a:spLocks noGrp="1"/>
+          </p:cNvSpPr>
+          <p:nvPr>
+            <p:ph type="title"/>
+          </p:nvPr>
+        </p:nvSpPr>
+        <p:spPr/>
+        <p:txBody>
+          <a:bodyPr/>
+          <a:lstStyle/>
+          <a:p>
+            <a:r>
+              <a:rPr lang="en-US" dirty="0"/>
+              <a:t>Conclusions</a:t>
+            </a:r>
+          </a:p>
+        </p:txBody>
+      </p:sp>
+      <p:sp>
+        <p:nvSpPr>
+          <p:cNvPr id="3" name="Content Placeholder 2">
+            <a:extLst>
+              <a:ext uri="{FF2B5EF4-FFF2-40B4-BE49-F238E27FC236}">
+                <a16:creationId xmlns:a16="http://schemas.microsoft.com/office/drawing/2014/main" id="{1DADD06E-7AE7-4ED7-964A-DCE7CD5F0A81}"/>
+              </a:ext>
+            </a:extLst>
+          </p:cNvPr>
+          <p:cNvSpPr>
+            <a:spLocks noGrp="1"/>
+          </p:cNvSpPr>
+          <p:nvPr>
+            <p:ph idx="1"/>
+          </p:nvPr>
+        </p:nvSpPr>
+        <p:spPr/>
+        <p:txBody>
+          <a:bodyPr/>
+          <a:lstStyle/>
+          <a:p>
+            <a:r>
+              <a:rPr lang="en-US" sz="1800" dirty="0">
+                <a:solidFill>
+                  <a:srgbClr val="000000"/>
+                </a:solidFill>
+                <a:effectLst/>
+                <a:latin typeface="Calibri" panose="020F0502020204030204" pitchFamily="34" charset="0"/>
+                <a:ea typeface="Calibri" panose="020F0502020204030204" pitchFamily="34" charset="0"/>
+              </a:rPr>
+              <a:t>2019 coronavirus dataset (January‐July 2020), COVID‐19 (nCOV‐19) coronavirus spread dataset, and 2019‐nCoV dataset can be useful to monitor and predict  the emerging outbreaks, such as 2019‐nCoV. </a:t>
+            </a:r>
+          </a:p>
+          <a:p>
+            <a:r>
+              <a:rPr lang="en-US" sz="1800" dirty="0">
+                <a:solidFill>
+                  <a:srgbClr val="000000"/>
+                </a:solidFill>
+                <a:latin typeface="Calibri" panose="020F0502020204030204" pitchFamily="34" charset="0"/>
+                <a:ea typeface="Calibri" panose="020F0502020204030204" pitchFamily="34" charset="0"/>
+              </a:rPr>
+              <a:t>Can h</a:t>
+            </a:r>
+            <a:r>
+              <a:rPr lang="en-US" sz="1800" dirty="0">
+                <a:solidFill>
+                  <a:srgbClr val="000000"/>
+                </a:solidFill>
+                <a:effectLst/>
+                <a:latin typeface="Calibri" panose="020F0502020204030204" pitchFamily="34" charset="0"/>
+                <a:ea typeface="Calibri" panose="020F0502020204030204" pitchFamily="34" charset="0"/>
+              </a:rPr>
+              <a:t>elp us to generate and disseminate detailed information to the scientific community, especially in the early stages of an outbreak, when there is a little else available, allowing for independent assessments of key parameters that influence interventions. </a:t>
+            </a:r>
+          </a:p>
+          <a:p>
+            <a:r>
+              <a:rPr lang="en-US" sz="1800" dirty="0">
+                <a:solidFill>
+                  <a:srgbClr val="000000"/>
+                </a:solidFill>
+                <a:latin typeface="Calibri" panose="020F0502020204030204" pitchFamily="34" charset="0"/>
+                <a:ea typeface="Calibri" panose="020F0502020204030204" pitchFamily="34" charset="0"/>
+                <a:cs typeface="Calibri" panose="020F0502020204030204" pitchFamily="34" charset="0"/>
+              </a:rPr>
+              <a:t>O</a:t>
+            </a:r>
+            <a:r>
+              <a:rPr lang="en-US" sz="1800" dirty="0">
+                <a:solidFill>
+                  <a:srgbClr val="000000"/>
+                </a:solidFill>
+                <a:effectLst/>
+                <a:latin typeface="Calibri" panose="020F0502020204030204" pitchFamily="34" charset="0"/>
+                <a:ea typeface="Calibri" panose="020F0502020204030204" pitchFamily="34" charset="0"/>
+                <a:cs typeface="Calibri" panose="020F0502020204030204" pitchFamily="34" charset="0"/>
+              </a:rPr>
+              <a:t>bserve that deep learning techniques can be used to predict the future time series prediction of COVID-19 allowing health care sectors and health authorities take necessary steps at right time to mitigate the adverse impact of virus. </a:t>
+            </a:r>
+            <a:endParaRPr lang="en-US" sz="1800" dirty="0">
+              <a:effectLst/>
+              <a:latin typeface="Calibri" panose="020F0502020204030204" pitchFamily="34" charset="0"/>
+              <a:ea typeface="Calibri" panose="020F0502020204030204" pitchFamily="34" charset="0"/>
+              <a:cs typeface="Times New Roman" panose="02020603050405020304" pitchFamily="18" charset="0"/>
+            </a:endParaRPr>
+          </a:p>
+          <a:p>
+            <a:endParaRPr lang="en-US" dirty="0"/>
+          </a:p>
+        </p:txBody>
+      </p:sp>
+    </p:spTree>
+    <p:extLst>
+      <p:ext uri="{BB962C8B-B14F-4D97-AF65-F5344CB8AC3E}">
+        <p14:creationId xmlns:p14="http://schemas.microsoft.com/office/powerpoint/2010/main" val="3226978817"/>
+      </p:ext>
+    </p:extLst>
+  </p:cSld>
+  <p:clrMapOvr>
+    <a:masterClrMapping/>
+  </p:clrMapOvr>
+</p:sld>
+</file>
+
 <file path=ppt/slides/slide2.xml><?xml version="1.0" encoding="utf-8"?>
 <p:sld xmlns:a="http://schemas.openxmlformats.org/drawingml/2006/main" xmlns:r="http://schemas.openxmlformats.org/officeDocument/2006/relationships" xmlns:p="http://schemas.openxmlformats.org/presentationml/2006/main">
   <p:cSld>
@@ -4275,6 +4589,137 @@
     <p:extLst>
       <p:ext uri="{BB962C8B-B14F-4D97-AF65-F5344CB8AC3E}">
         <p14:creationId xmlns:p14="http://schemas.microsoft.com/office/powerpoint/2010/main" val="1308052941"/>
+      </p:ext>
+    </p:extLst>
+  </p:cSld>
+  <p:clrMapOvr>
+    <a:masterClrMapping/>
+  </p:clrMapOvr>
+</p:sld>
+</file>
+
+<file path=ppt/slides/slide9.xml><?xml version="1.0" encoding="utf-8"?>
+<p:sld xmlns:a="http://schemas.openxmlformats.org/drawingml/2006/main" xmlns:r="http://schemas.openxmlformats.org/officeDocument/2006/relationships" xmlns:p="http://schemas.openxmlformats.org/presentationml/2006/main">
+  <p:cSld>
+    <p:spTree>
+      <p:nvGrpSpPr>
+        <p:cNvPr id="1" name=""/>
+        <p:cNvGrpSpPr/>
+        <p:nvPr/>
+      </p:nvGrpSpPr>
+      <p:grpSpPr>
+        <a:xfrm>
+          <a:off x="0" y="0"/>
+          <a:ext cx="0" cy="0"/>
+          <a:chOff x="0" y="0"/>
+          <a:chExt cx="0" cy="0"/>
+        </a:xfrm>
+      </p:grpSpPr>
+      <p:sp>
+        <p:nvSpPr>
+          <p:cNvPr id="2" name="Title 1">
+            <a:extLst>
+              <a:ext uri="{FF2B5EF4-FFF2-40B4-BE49-F238E27FC236}">
+                <a16:creationId xmlns:a16="http://schemas.microsoft.com/office/drawing/2014/main" id="{3A967466-5B56-4925-8E3C-F7D15901E0C6}"/>
+              </a:ext>
+            </a:extLst>
+          </p:cNvPr>
+          <p:cNvSpPr>
+            <a:spLocks noGrp="1"/>
+          </p:cNvSpPr>
+          <p:nvPr>
+            <p:ph type="title"/>
+          </p:nvPr>
+        </p:nvSpPr>
+        <p:spPr/>
+        <p:txBody>
+          <a:bodyPr/>
+          <a:lstStyle/>
+          <a:p>
+            <a:r>
+              <a:rPr lang="en-US" dirty="0"/>
+              <a:t>Long Short Term Memory Model</a:t>
+            </a:r>
+          </a:p>
+        </p:txBody>
+      </p:sp>
+      <p:sp>
+        <p:nvSpPr>
+          <p:cNvPr id="3" name="Content Placeholder 2">
+            <a:extLst>
+              <a:ext uri="{FF2B5EF4-FFF2-40B4-BE49-F238E27FC236}">
+                <a16:creationId xmlns:a16="http://schemas.microsoft.com/office/drawing/2014/main" id="{B39DABC6-F6DD-4E7D-915E-6AE7BFF8034C}"/>
+              </a:ext>
+            </a:extLst>
+          </p:cNvPr>
+          <p:cNvSpPr>
+            <a:spLocks noGrp="1"/>
+          </p:cNvSpPr>
+          <p:nvPr>
+            <p:ph idx="1"/>
+          </p:nvPr>
+        </p:nvSpPr>
+        <p:spPr/>
+        <p:txBody>
+          <a:bodyPr/>
+          <a:lstStyle/>
+          <a:p>
+            <a:r>
+              <a:rPr lang="en-US" b="0" i="0" u="none" strike="noStrike" dirty="0">
+                <a:effectLst/>
+                <a:latin typeface="medium-content-serif-font"/>
+              </a:rPr>
+              <a:t>The Long Short Term Memory neural network is a type of a Recurrent Neural Network (RNN).</a:t>
+            </a:r>
+          </a:p>
+          <a:p>
+            <a:r>
+              <a:rPr lang="en-US" b="0" i="0" u="none" strike="noStrike" dirty="0">
+                <a:effectLst/>
+                <a:latin typeface="medium-content-serif-font"/>
+              </a:rPr>
+              <a:t> RNNs use previous time events to inform the later ones.</a:t>
+            </a:r>
+          </a:p>
+          <a:p>
+            <a:r>
+              <a:rPr lang="en-US" b="0" i="0" u="none" strike="noStrike" dirty="0">
+                <a:effectLst/>
+                <a:latin typeface="medium-content-serif-font"/>
+              </a:rPr>
+              <a:t>It has an </a:t>
+            </a:r>
+            <a:r>
+              <a:rPr lang="en-US" b="0" i="0" u="none" strike="noStrike" dirty="0" err="1">
+                <a:effectLst/>
+                <a:latin typeface="medium-content-serif-font"/>
+              </a:rPr>
+              <a:t>LSTMCell</a:t>
+            </a:r>
+            <a:r>
+              <a:rPr lang="en-US" b="0" i="0" u="none" strike="noStrike" dirty="0">
+                <a:effectLst/>
+                <a:latin typeface="medium-content-serif-font"/>
+              </a:rPr>
+              <a:t> unit and a linear layer to model a sequence of a time series.</a:t>
+            </a:r>
+          </a:p>
+          <a:p>
+            <a:r>
+              <a:rPr lang="en-US" b="0" i="0" u="none" strike="noStrike" dirty="0">
+                <a:effectLst/>
+                <a:latin typeface="medium-content-serif-font"/>
+              </a:rPr>
+              <a:t> The model can generate the future values of a time series</a:t>
+            </a:r>
+            <a:endParaRPr lang="en-US" dirty="0"/>
+          </a:p>
+        </p:txBody>
+      </p:sp>
+    </p:spTree>
+    <p:extLst>
+      <p:ext uri="{BB962C8B-B14F-4D97-AF65-F5344CB8AC3E}">
+        <p14:creationId xmlns:p14="http://schemas.microsoft.com/office/powerpoint/2010/main" val="987698863"/>
       </p:ext>
     </p:extLst>
   </p:cSld>
